--- a/pdf/em.pptx
+++ b/pdf/em.pptx
@@ -5,12 +5,13 @@
     <p:sldMasterId id="2147483648" r:id="rId1"/>
   </p:sldMasterIdLst>
   <p:sldIdLst>
-    <p:sldId id="257" r:id="rId2"/>
-    <p:sldId id="258" r:id="rId3"/>
-    <p:sldId id="259" r:id="rId4"/>
-    <p:sldId id="260" r:id="rId5"/>
-    <p:sldId id="265" r:id="rId6"/>
-    <p:sldId id="266" r:id="rId7"/>
+    <p:sldId id="267" r:id="rId2"/>
+    <p:sldId id="257" r:id="rId3"/>
+    <p:sldId id="258" r:id="rId4"/>
+    <p:sldId id="259" r:id="rId5"/>
+    <p:sldId id="260" r:id="rId6"/>
+    <p:sldId id="265" r:id="rId7"/>
+    <p:sldId id="266" r:id="rId8"/>
   </p:sldIdLst>
   <p:sldSz cx="12192000" cy="6858000"/>
   <p:notesSz cx="6858000" cy="9144000"/>
@@ -3333,6 +3334,165 @@
       </p:grpSpPr>
       <p:sp>
         <p:nvSpPr>
+          <p:cNvPr id="2" name="Title 1">
+            <a:extLst>
+              <a:ext uri="{FF2B5EF4-FFF2-40B4-BE49-F238E27FC236}">
+                <a16:creationId xmlns:a16="http://schemas.microsoft.com/office/drawing/2014/main" id="{56C1EC5E-F312-B97A-0DB6-0B04A9619749}"/>
+              </a:ext>
+            </a:extLst>
+          </p:cNvPr>
+          <p:cNvSpPr>
+            <a:spLocks noGrp="1"/>
+          </p:cNvSpPr>
+          <p:nvPr>
+            <p:ph type="ctrTitle"/>
+          </p:nvPr>
+        </p:nvSpPr>
+        <p:spPr/>
+        <p:txBody>
+          <a:bodyPr>
+            <a:normAutofit fontScale="90000"/>
+          </a:bodyPr>
+          <a:lstStyle/>
+          <a:p>
+            <a:r>
+              <a:rPr lang="en-US" dirty="0" err="1"/>
+              <a:t>Endüstri</a:t>
+            </a:r>
+            <a:r>
+              <a:rPr lang="en-US" dirty="0"/>
+              <a:t> </a:t>
+            </a:r>
+            <a:r>
+              <a:rPr lang="en-US" dirty="0" err="1"/>
+              <a:t>ve</a:t>
+            </a:r>
+            <a:r>
+              <a:rPr lang="en-US" dirty="0"/>
+              <a:t> </a:t>
+            </a:r>
+            <a:r>
+              <a:rPr lang="en-US" dirty="0" err="1"/>
+              <a:t>Bilgisayar</a:t>
+            </a:r>
+            <a:r>
+              <a:rPr lang="en-US" dirty="0"/>
+              <a:t> </a:t>
+            </a:r>
+            <a:r>
+              <a:rPr lang="en-US" dirty="0" err="1"/>
+              <a:t>Mühendisliği</a:t>
+            </a:r>
+            <a:r>
+              <a:rPr lang="en-US" dirty="0"/>
+              <a:t> </a:t>
+            </a:r>
+            <a:br>
+              <a:rPr lang="en-US" dirty="0"/>
+            </a:br>
+            <a:r>
+              <a:rPr lang="en-US" dirty="0" err="1"/>
+              <a:t>Meslek</a:t>
+            </a:r>
+            <a:r>
+              <a:rPr lang="en-US" dirty="0"/>
+              <a:t> </a:t>
+            </a:r>
+            <a:r>
+              <a:rPr lang="en-US" dirty="0" err="1"/>
+              <a:t>Tanıtımı</a:t>
+            </a:r>
+            <a:endParaRPr lang="en-US" dirty="0"/>
+          </a:p>
+        </p:txBody>
+      </p:sp>
+      <p:sp>
+        <p:nvSpPr>
+          <p:cNvPr id="3" name="Subtitle 2">
+            <a:extLst>
+              <a:ext uri="{FF2B5EF4-FFF2-40B4-BE49-F238E27FC236}">
+                <a16:creationId xmlns:a16="http://schemas.microsoft.com/office/drawing/2014/main" id="{CA3767AD-0828-2761-FA28-00F9CE538C78}"/>
+              </a:ext>
+            </a:extLst>
+          </p:cNvPr>
+          <p:cNvSpPr>
+            <a:spLocks noGrp="1"/>
+          </p:cNvSpPr>
+          <p:nvPr>
+            <p:ph type="subTitle" idx="1"/>
+          </p:nvPr>
+        </p:nvSpPr>
+        <p:spPr>
+          <a:xfrm>
+            <a:off x="1524000" y="4424854"/>
+            <a:ext cx="9144000" cy="832945"/>
+          </a:xfrm>
+        </p:spPr>
+        <p:txBody>
+          <a:bodyPr>
+            <a:normAutofit lnSpcReduction="10000"/>
+          </a:bodyPr>
+          <a:lstStyle/>
+          <a:p>
+            <a:r>
+              <a:rPr lang="en-US" dirty="0"/>
+              <a:t>Prof. Dr. Erhun </a:t>
+            </a:r>
+            <a:r>
+              <a:rPr lang="en-US" dirty="0" err="1"/>
+              <a:t>Kundakcıoğlu</a:t>
+            </a:r>
+            <a:endParaRPr lang="en-US" dirty="0"/>
+          </a:p>
+          <a:p>
+            <a:r>
+              <a:rPr lang="en-US" dirty="0" err="1"/>
+              <a:t>Özyeğin</a:t>
+            </a:r>
+            <a:r>
+              <a:rPr lang="en-US" dirty="0"/>
+              <a:t> </a:t>
+            </a:r>
+            <a:r>
+              <a:rPr lang="en-US" dirty="0" err="1"/>
+              <a:t>Üniversitesi</a:t>
+            </a:r>
+            <a:endParaRPr lang="en-US" dirty="0"/>
+          </a:p>
+        </p:txBody>
+      </p:sp>
+    </p:spTree>
+    <p:extLst>
+      <p:ext uri="{BB962C8B-B14F-4D97-AF65-F5344CB8AC3E}">
+        <p14:creationId xmlns:p14="http://schemas.microsoft.com/office/powerpoint/2010/main" val="3126879712"/>
+      </p:ext>
+    </p:extLst>
+  </p:cSld>
+  <p:clrMapOvr>
+    <a:masterClrMapping/>
+  </p:clrMapOvr>
+</p:sld>
+</file>
+
+<file path=ppt/slides/slide2.xml><?xml version="1.0" encoding="utf-8"?>
+<p:sld xmlns:a="http://schemas.openxmlformats.org/drawingml/2006/main" xmlns:r="http://schemas.openxmlformats.org/officeDocument/2006/relationships" xmlns:p="http://schemas.openxmlformats.org/presentationml/2006/main">
+  <p:cSld>
+    <p:spTree>
+      <p:nvGrpSpPr>
+        <p:cNvPr id="1" name=""/>
+        <p:cNvGrpSpPr/>
+        <p:nvPr/>
+      </p:nvGrpSpPr>
+      <p:grpSpPr>
+        <a:xfrm>
+          <a:off x="0" y="0"/>
+          <a:ext cx="0" cy="0"/>
+          <a:chOff x="0" y="0"/>
+          <a:chExt cx="0" cy="0"/>
+        </a:xfrm>
+      </p:grpSpPr>
+      <p:sp>
+        <p:nvSpPr>
           <p:cNvPr id="3" name="Content Placeholder 2">
             <a:extLst>
               <a:ext uri="{FF2B5EF4-FFF2-40B4-BE49-F238E27FC236}">
@@ -3692,7 +3852,7 @@
 </p:sld>
 </file>
 
-<file path=ppt/slides/slide2.xml><?xml version="1.0" encoding="utf-8"?>
+<file path=ppt/slides/slide3.xml><?xml version="1.0" encoding="utf-8"?>
 <p:sld xmlns:a="http://schemas.openxmlformats.org/drawingml/2006/main" xmlns:r="http://schemas.openxmlformats.org/officeDocument/2006/relationships" xmlns:p="http://schemas.openxmlformats.org/presentationml/2006/main">
   <p:cSld>
     <p:spTree>
@@ -4580,7 +4740,7 @@
 </p:sld>
 </file>
 
-<file path=ppt/slides/slide3.xml><?xml version="1.0" encoding="utf-8"?>
+<file path=ppt/slides/slide4.xml><?xml version="1.0" encoding="utf-8"?>
 <p:sld xmlns:a="http://schemas.openxmlformats.org/drawingml/2006/main" xmlns:r="http://schemas.openxmlformats.org/officeDocument/2006/relationships" xmlns:p="http://schemas.openxmlformats.org/presentationml/2006/main">
   <p:cSld>
     <p:spTree>
@@ -5415,7 +5575,7 @@
 </p:sld>
 </file>
 
-<file path=ppt/slides/slide4.xml><?xml version="1.0" encoding="utf-8"?>
+<file path=ppt/slides/slide5.xml><?xml version="1.0" encoding="utf-8"?>
 <p:sld xmlns:a="http://schemas.openxmlformats.org/drawingml/2006/main" xmlns:r="http://schemas.openxmlformats.org/officeDocument/2006/relationships" xmlns:p="http://schemas.openxmlformats.org/presentationml/2006/main">
   <p:cSld>
     <p:spTree>
@@ -5775,7 +5935,7 @@
 </p:sld>
 </file>
 
-<file path=ppt/slides/slide5.xml><?xml version="1.0" encoding="utf-8"?>
+<file path=ppt/slides/slide6.xml><?xml version="1.0" encoding="utf-8"?>
 <p:sld xmlns:a="http://schemas.openxmlformats.org/drawingml/2006/main" xmlns:r="http://schemas.openxmlformats.org/officeDocument/2006/relationships" xmlns:p="http://schemas.openxmlformats.org/presentationml/2006/main">
   <p:cSld>
     <p:spTree>
@@ -6591,7 +6751,7 @@
 </p:sld>
 </file>
 
-<file path=ppt/slides/slide6.xml><?xml version="1.0" encoding="utf-8"?>
+<file path=ppt/slides/slide7.xml><?xml version="1.0" encoding="utf-8"?>
 <p:sld xmlns:a="http://schemas.openxmlformats.org/drawingml/2006/main" xmlns:r="http://schemas.openxmlformats.org/officeDocument/2006/relationships" xmlns:p="http://schemas.openxmlformats.org/presentationml/2006/main">
   <p:cSld>
     <p:spTree>
